--- a/Material/ClassInstance.pptx
+++ b/Material/ClassInstance.pptx
@@ -5,7 +5,7 @@
     <p:sldMasterId id="2147483648" r:id="rId1"/>
   </p:sldMasterIdLst>
   <p:sldIdLst>
-    <p:sldId id="256" r:id="rId2"/>
+    <p:sldId id="257" r:id="rId2"/>
   </p:sldIdLst>
   <p:sldSz cx="12192000" cy="6858000"/>
   <p:notesSz cx="6858000" cy="9144000"/>
@@ -104,6 +104,11 @@
       </a:defRPr>
     </a:lvl9pPr>
   </p:defaultTextStyle>
+  <p:extLst>
+    <p:ext uri="{EFAFB233-063F-42B5-8137-9DF3F51BA10A}">
+      <p15:sldGuideLst xmlns:p15="http://schemas.microsoft.com/office/powerpoint/2012/main"/>
+    </p:ext>
+  </p:extLst>
 </p:presentation>
 </file>
 
@@ -238,7 +243,7 @@
           <a:p>
             <a:fld id="{CF98E25D-6B7D-49B0-8631-D852383D870A}" type="datetimeFigureOut">
               <a:rPr kumimoji="1" lang="ja-JP" altLang="en-US" smtClean="0"/>
-              <a:t>2015/4/5</a:t>
+              <a:t>2015/4/6</a:t>
             </a:fld>
             <a:endParaRPr kumimoji="1" lang="ja-JP" altLang="en-US"/>
           </a:p>
@@ -440,7 +445,7 @@
           <a:p>
             <a:fld id="{CF98E25D-6B7D-49B0-8631-D852383D870A}" type="datetimeFigureOut">
               <a:rPr kumimoji="1" lang="ja-JP" altLang="en-US" smtClean="0"/>
-              <a:t>2015/4/5</a:t>
+              <a:t>2015/4/6</a:t>
             </a:fld>
             <a:endParaRPr kumimoji="1" lang="ja-JP" altLang="en-US"/>
           </a:p>
@@ -652,7 +657,7 @@
           <a:p>
             <a:fld id="{CF98E25D-6B7D-49B0-8631-D852383D870A}" type="datetimeFigureOut">
               <a:rPr kumimoji="1" lang="ja-JP" altLang="en-US" smtClean="0"/>
-              <a:t>2015/4/5</a:t>
+              <a:t>2015/4/6</a:t>
             </a:fld>
             <a:endParaRPr kumimoji="1" lang="ja-JP" altLang="en-US"/>
           </a:p>
@@ -854,7 +859,7 @@
           <a:p>
             <a:fld id="{CF98E25D-6B7D-49B0-8631-D852383D870A}" type="datetimeFigureOut">
               <a:rPr kumimoji="1" lang="ja-JP" altLang="en-US" smtClean="0"/>
-              <a:t>2015/4/5</a:t>
+              <a:t>2015/4/6</a:t>
             </a:fld>
             <a:endParaRPr kumimoji="1" lang="ja-JP" altLang="en-US"/>
           </a:p>
@@ -1100,7 +1105,7 @@
           <a:p>
             <a:fld id="{CF98E25D-6B7D-49B0-8631-D852383D870A}" type="datetimeFigureOut">
               <a:rPr kumimoji="1" lang="ja-JP" altLang="en-US" smtClean="0"/>
-              <a:t>2015/4/5</a:t>
+              <a:t>2015/4/6</a:t>
             </a:fld>
             <a:endParaRPr kumimoji="1" lang="ja-JP" altLang="en-US"/>
           </a:p>
@@ -1396,7 +1401,7 @@
           <a:p>
             <a:fld id="{CF98E25D-6B7D-49B0-8631-D852383D870A}" type="datetimeFigureOut">
               <a:rPr kumimoji="1" lang="ja-JP" altLang="en-US" smtClean="0"/>
-              <a:t>2015/4/5</a:t>
+              <a:t>2015/4/6</a:t>
             </a:fld>
             <a:endParaRPr kumimoji="1" lang="ja-JP" altLang="en-US"/>
           </a:p>
@@ -1827,7 +1832,7 @@
           <a:p>
             <a:fld id="{CF98E25D-6B7D-49B0-8631-D852383D870A}" type="datetimeFigureOut">
               <a:rPr kumimoji="1" lang="ja-JP" altLang="en-US" smtClean="0"/>
-              <a:t>2015/4/5</a:t>
+              <a:t>2015/4/6</a:t>
             </a:fld>
             <a:endParaRPr kumimoji="1" lang="ja-JP" altLang="en-US"/>
           </a:p>
@@ -1945,7 +1950,7 @@
           <a:p>
             <a:fld id="{CF98E25D-6B7D-49B0-8631-D852383D870A}" type="datetimeFigureOut">
               <a:rPr kumimoji="1" lang="ja-JP" altLang="en-US" smtClean="0"/>
-              <a:t>2015/4/5</a:t>
+              <a:t>2015/4/6</a:t>
             </a:fld>
             <a:endParaRPr kumimoji="1" lang="ja-JP" altLang="en-US"/>
           </a:p>
@@ -2040,7 +2045,7 @@
           <a:p>
             <a:fld id="{CF98E25D-6B7D-49B0-8631-D852383D870A}" type="datetimeFigureOut">
               <a:rPr kumimoji="1" lang="ja-JP" altLang="en-US" smtClean="0"/>
-              <a:t>2015/4/5</a:t>
+              <a:t>2015/4/6</a:t>
             </a:fld>
             <a:endParaRPr kumimoji="1" lang="ja-JP" altLang="en-US"/>
           </a:p>
@@ -2349,7 +2354,7 @@
           <a:p>
             <a:fld id="{CF98E25D-6B7D-49B0-8631-D852383D870A}" type="datetimeFigureOut">
               <a:rPr kumimoji="1" lang="ja-JP" altLang="en-US" smtClean="0"/>
-              <a:t>2015/4/5</a:t>
+              <a:t>2015/4/6</a:t>
             </a:fld>
             <a:endParaRPr kumimoji="1" lang="ja-JP" altLang="en-US"/>
           </a:p>
@@ -2602,7 +2607,7 @@
           <a:p>
             <a:fld id="{CF98E25D-6B7D-49B0-8631-D852383D870A}" type="datetimeFigureOut">
               <a:rPr kumimoji="1" lang="ja-JP" altLang="en-US" smtClean="0"/>
-              <a:t>2015/4/5</a:t>
+              <a:t>2015/4/6</a:t>
             </a:fld>
             <a:endParaRPr kumimoji="1" lang="ja-JP" altLang="en-US"/>
           </a:p>
@@ -2847,7 +2852,7 @@
           <a:p>
             <a:fld id="{CF98E25D-6B7D-49B0-8631-D852383D870A}" type="datetimeFigureOut">
               <a:rPr kumimoji="1" lang="ja-JP" altLang="en-US" smtClean="0"/>
-              <a:t>2015/4/5</a:t>
+              <a:t>2015/4/6</a:t>
             </a:fld>
             <a:endParaRPr kumimoji="1" lang="ja-JP" altLang="en-US"/>
           </a:p>
@@ -3254,106 +3259,14 @@
       </p:grpSpPr>
       <p:sp>
         <p:nvSpPr>
-          <p:cNvPr id="4" name="テキスト ボックス 3"/>
-          <p:cNvSpPr txBox="1"/>
-          <p:nvPr/>
-        </p:nvSpPr>
-        <p:spPr>
-          <a:xfrm>
-            <a:off x="6694094" y="1444424"/>
-            <a:ext cx="4157936" cy="1200329"/>
-          </a:xfrm>
-          <a:prstGeom prst="rect">
-            <a:avLst/>
-          </a:prstGeom>
-          <a:noFill/>
-        </p:spPr>
-        <p:txBody>
-          <a:bodyPr wrap="square" rtlCol="0">
-            <a:spAutoFit/>
-          </a:bodyPr>
-          <a:lstStyle/>
-          <a:p>
-            <a:r>
-              <a:rPr lang="ja-JP" altLang="en-US" dirty="0" smtClean="0">
-                <a:latin typeface="メイリオ" panose="020B0604030504040204" pitchFamily="50" charset="-128"/>
-                <a:ea typeface="メイリオ" panose="020B0604030504040204" pitchFamily="50" charset="-128"/>
-                <a:cs typeface="メイリオ" panose="020B0604030504040204" pitchFamily="50" charset="-128"/>
-              </a:rPr>
-              <a:t>画像表示</a:t>
-            </a:r>
-            <a:r>
-              <a:rPr lang="en-US" altLang="ja-JP" dirty="0" smtClean="0">
-                <a:latin typeface="メイリオ" panose="020B0604030504040204" pitchFamily="50" charset="-128"/>
-                <a:ea typeface="メイリオ" panose="020B0604030504040204" pitchFamily="50" charset="-128"/>
-                <a:cs typeface="メイリオ" panose="020B0604030504040204" pitchFamily="50" charset="-128"/>
-              </a:rPr>
-              <a:t>(ace.TextureObject2D)</a:t>
-            </a:r>
-          </a:p>
-          <a:p>
-            <a:r>
-              <a:rPr kumimoji="1" lang="ja-JP" altLang="en-US" dirty="0" smtClean="0">
-                <a:latin typeface="メイリオ" panose="020B0604030504040204" pitchFamily="50" charset="-128"/>
-                <a:ea typeface="メイリオ" panose="020B0604030504040204" pitchFamily="50" charset="-128"/>
-                <a:cs typeface="メイリオ" panose="020B0604030504040204" pitchFamily="50" charset="-128"/>
-              </a:rPr>
-              <a:t>文字表示</a:t>
-            </a:r>
-            <a:r>
-              <a:rPr kumimoji="1" lang="en-US" altLang="ja-JP" dirty="0" smtClean="0">
-                <a:latin typeface="メイリオ" panose="020B0604030504040204" pitchFamily="50" charset="-128"/>
-                <a:ea typeface="メイリオ" panose="020B0604030504040204" pitchFamily="50" charset="-128"/>
-                <a:cs typeface="メイリオ" panose="020B0604030504040204" pitchFamily="50" charset="-128"/>
-              </a:rPr>
-              <a:t>(ace.TextObject2D)</a:t>
-            </a:r>
-          </a:p>
-          <a:p>
-            <a:r>
-              <a:rPr lang="ja-JP" altLang="en-US" dirty="0" smtClean="0">
-                <a:latin typeface="メイリオ" panose="020B0604030504040204" pitchFamily="50" charset="-128"/>
-                <a:ea typeface="メイリオ" panose="020B0604030504040204" pitchFamily="50" charset="-128"/>
-                <a:cs typeface="メイリオ" panose="020B0604030504040204" pitchFamily="50" charset="-128"/>
-              </a:rPr>
-              <a:t>エフェクト表示</a:t>
-            </a:r>
-            <a:r>
-              <a:rPr lang="en-US" altLang="ja-JP" dirty="0" smtClean="0">
-                <a:latin typeface="メイリオ" panose="020B0604030504040204" pitchFamily="50" charset="-128"/>
-                <a:ea typeface="メイリオ" panose="020B0604030504040204" pitchFamily="50" charset="-128"/>
-                <a:cs typeface="メイリオ" panose="020B0604030504040204" pitchFamily="50" charset="-128"/>
-              </a:rPr>
-              <a:t>(ace.EffectObject2D)</a:t>
-            </a:r>
-          </a:p>
-          <a:p>
-            <a:r>
-              <a:rPr kumimoji="1" lang="en-US" altLang="ja-JP" dirty="0" err="1" smtClean="0">
-                <a:latin typeface="メイリオ" panose="020B0604030504040204" pitchFamily="50" charset="-128"/>
-                <a:ea typeface="メイリオ" panose="020B0604030504040204" pitchFamily="50" charset="-128"/>
-                <a:cs typeface="メイリオ" panose="020B0604030504040204" pitchFamily="50" charset="-128"/>
-              </a:rPr>
-              <a:t>etc</a:t>
-            </a:r>
-            <a:endParaRPr kumimoji="1" lang="ja-JP" altLang="en-US" dirty="0">
-              <a:latin typeface="メイリオ" panose="020B0604030504040204" pitchFamily="50" charset="-128"/>
-              <a:ea typeface="メイリオ" panose="020B0604030504040204" pitchFamily="50" charset="-128"/>
-              <a:cs typeface="メイリオ" panose="020B0604030504040204" pitchFamily="50" charset="-128"/>
-            </a:endParaRPr>
-          </a:p>
-        </p:txBody>
-      </p:sp>
-      <p:sp>
-        <p:nvSpPr>
           <p:cNvPr id="5" name="正方形/長方形 4"/>
           <p:cNvSpPr/>
           <p:nvPr/>
         </p:nvSpPr>
         <p:spPr>
           <a:xfrm>
-            <a:off x="3614468" y="1425265"/>
-            <a:ext cx="2380891" cy="1485347"/>
+            <a:off x="3614468" y="1785668"/>
+            <a:ext cx="2380891" cy="1124944"/>
           </a:xfrm>
           <a:prstGeom prst="rect">
             <a:avLst/>
@@ -3396,21 +3309,6 @@
           </a:p>
           <a:p>
             <a:r>
-              <a:rPr kumimoji="1" lang="en-US" altLang="ja-JP" dirty="0" err="1" smtClean="0">
-                <a:solidFill>
-                  <a:schemeClr val="tx1"/>
-                </a:solidFill>
-              </a:rPr>
-              <a:t>CenterPosition</a:t>
-            </a:r>
-            <a:endParaRPr kumimoji="1" lang="en-US" altLang="ja-JP" dirty="0" smtClean="0">
-              <a:solidFill>
-                <a:schemeClr val="tx1"/>
-              </a:solidFill>
-            </a:endParaRPr>
-          </a:p>
-          <a:p>
-            <a:r>
               <a:rPr lang="en-US" altLang="ja-JP" dirty="0" smtClean="0">
                 <a:solidFill>
                   <a:schemeClr val="tx1"/>
@@ -3421,13 +3319,18 @@
           </a:p>
           <a:p>
             <a:r>
-              <a:rPr kumimoji="1" lang="en-US" altLang="ja-JP" dirty="0" smtClean="0">
+              <a:rPr lang="en-US" altLang="ja-JP" dirty="0" smtClean="0">
                 <a:solidFill>
                   <a:schemeClr val="tx1"/>
                 </a:solidFill>
               </a:rPr>
-              <a:t>Scale</a:t>
-            </a:r>
+              <a:t>Texture</a:t>
+            </a:r>
+            <a:endParaRPr lang="en-US" altLang="ja-JP" dirty="0" smtClean="0">
+              <a:solidFill>
+                <a:schemeClr val="tx1"/>
+              </a:solidFill>
+            </a:endParaRPr>
           </a:p>
           <a:p>
             <a:r>
@@ -3474,7 +3377,7 @@
                 <a:ea typeface="メイリオ" panose="020B0604030504040204" pitchFamily="50" charset="-128"/>
                 <a:cs typeface="メイリオ" panose="020B0604030504040204" pitchFamily="50" charset="-128"/>
               </a:rPr>
-              <a:t>実体</a:t>
+              <a:t>物体</a:t>
             </a:r>
             <a:r>
               <a:rPr lang="en-US" altLang="ja-JP" dirty="0" smtClean="0">
@@ -3505,49 +3408,6 @@
               <a:ea typeface="メイリオ" panose="020B0604030504040204" pitchFamily="50" charset="-128"/>
               <a:cs typeface="メイリオ" panose="020B0604030504040204" pitchFamily="50" charset="-128"/>
             </a:endParaRPr>
-          </a:p>
-        </p:txBody>
-      </p:sp>
-      <p:sp>
-        <p:nvSpPr>
-          <p:cNvPr id="7" name="左中かっこ 6"/>
-          <p:cNvSpPr/>
-          <p:nvPr/>
-        </p:nvSpPr>
-        <p:spPr>
-          <a:xfrm>
-            <a:off x="6180824" y="1444424"/>
-            <a:ext cx="327804" cy="1466188"/>
-          </a:xfrm>
-          <a:prstGeom prst="leftBrace">
-            <a:avLst/>
-          </a:prstGeom>
-          <a:ln w="19050">
-            <a:solidFill>
-              <a:schemeClr val="tx1"/>
-            </a:solidFill>
-          </a:ln>
-        </p:spPr>
-        <p:style>
-          <a:lnRef idx="1">
-            <a:schemeClr val="accent1"/>
-          </a:lnRef>
-          <a:fillRef idx="0">
-            <a:schemeClr val="accent1"/>
-          </a:fillRef>
-          <a:effectRef idx="0">
-            <a:schemeClr val="accent1"/>
-          </a:effectRef>
-          <a:fontRef idx="minor">
-            <a:schemeClr val="tx1"/>
-          </a:fontRef>
-        </p:style>
-        <p:txBody>
-          <a:bodyPr rtlCol="0" anchor="ctr"/>
-          <a:lstStyle/>
-          <a:p>
-            <a:pPr algn="ctr"/>
-            <a:endParaRPr kumimoji="1" lang="ja-JP" altLang="en-US"/>
           </a:p>
         </p:txBody>
       </p:sp>
@@ -3637,8 +3497,8 @@
         </p:nvSpPr>
         <p:spPr>
           <a:xfrm>
-            <a:off x="3906326" y="954020"/>
-            <a:ext cx="1797171" cy="369332"/>
+            <a:off x="2488717" y="1467289"/>
+            <a:ext cx="4632385" cy="369332"/>
           </a:xfrm>
           <a:prstGeom prst="rect">
             <a:avLst/>
@@ -3651,6 +3511,22 @@
           </a:bodyPr>
           <a:lstStyle/>
           <a:p>
+            <a:r>
+              <a:rPr lang="en-US" altLang="ja-JP" dirty="0" smtClean="0">
+                <a:latin typeface="メイリオ" panose="020B0604030504040204" pitchFamily="50" charset="-128"/>
+                <a:ea typeface="メイリオ" panose="020B0604030504040204" pitchFamily="50" charset="-128"/>
+                <a:cs typeface="メイリオ" panose="020B0604030504040204" pitchFamily="50" charset="-128"/>
+              </a:rPr>
+              <a:t>ace.TextureObject2D</a:t>
+            </a:r>
+            <a:r>
+              <a:rPr lang="ja-JP" altLang="en-US" dirty="0" smtClean="0">
+                <a:latin typeface="メイリオ" panose="020B0604030504040204" pitchFamily="50" charset="-128"/>
+                <a:ea typeface="メイリオ" panose="020B0604030504040204" pitchFamily="50" charset="-128"/>
+                <a:cs typeface="メイリオ" panose="020B0604030504040204" pitchFamily="50" charset="-128"/>
+              </a:rPr>
+              <a:t>の</a:t>
+            </a:r>
             <a:r>
               <a:rPr lang="ja-JP" altLang="en-US" dirty="0" smtClean="0">
                 <a:latin typeface="メイリオ" panose="020B0604030504040204" pitchFamily="50" charset="-128"/>
@@ -3699,8 +3575,8 @@
         </p:nvGrpSpPr>
         <p:grpSpPr>
           <a:xfrm>
-            <a:off x="4283012" y="4011457"/>
-            <a:ext cx="1073992" cy="1390289"/>
+            <a:off x="1857193" y="4126719"/>
+            <a:ext cx="888304" cy="1149915"/>
             <a:chOff x="4283012" y="4011457"/>
             <a:chExt cx="1073992" cy="1390289"/>
           </a:xfrm>
@@ -3918,7 +3794,7 @@
         </p:nvGrpSpPr>
         <p:grpSpPr>
           <a:xfrm>
-            <a:off x="7134295" y="3308231"/>
+            <a:off x="6763111" y="3308231"/>
             <a:ext cx="2925619" cy="2070845"/>
             <a:chOff x="5389581" y="1656677"/>
             <a:chExt cx="3571539" cy="2528047"/>
@@ -4295,7 +4171,7 @@
         </p:nvSpPr>
         <p:spPr>
           <a:xfrm>
-            <a:off x="6211816" y="4301877"/>
+            <a:off x="5840632" y="4301877"/>
             <a:ext cx="636752" cy="767751"/>
           </a:xfrm>
           <a:prstGeom prst="rightArrow">
@@ -4335,7 +4211,7 @@
         </p:nvSpPr>
         <p:spPr>
           <a:xfrm>
-            <a:off x="6126906" y="3964485"/>
+            <a:off x="5755722" y="3964485"/>
             <a:ext cx="806571" cy="369332"/>
           </a:xfrm>
           <a:prstGeom prst="rect">
@@ -4365,10 +4241,177 @@
           </a:p>
         </p:txBody>
       </p:sp>
+      <p:sp>
+        <p:nvSpPr>
+          <p:cNvPr id="2" name="正方形/長方形 1"/>
+          <p:cNvSpPr/>
+          <p:nvPr/>
+        </p:nvSpPr>
+        <p:spPr>
+          <a:xfrm>
+            <a:off x="4169007" y="4075184"/>
+            <a:ext cx="1252986" cy="1252986"/>
+          </a:xfrm>
+          <a:prstGeom prst="rect">
+            <a:avLst/>
+          </a:prstGeom>
+          <a:solidFill>
+            <a:schemeClr val="bg1">
+              <a:lumMod val="95000"/>
+            </a:schemeClr>
+          </a:solidFill>
+          <a:ln w="38100">
+            <a:solidFill>
+              <a:schemeClr val="tx1"/>
+            </a:solidFill>
+            <a:prstDash val="sysDash"/>
+          </a:ln>
+        </p:spPr>
+        <p:style>
+          <a:lnRef idx="2">
+            <a:schemeClr val="accent1">
+              <a:shade val="50000"/>
+            </a:schemeClr>
+          </a:lnRef>
+          <a:fillRef idx="1">
+            <a:schemeClr val="accent1"/>
+          </a:fillRef>
+          <a:effectRef idx="0">
+            <a:schemeClr val="accent1"/>
+          </a:effectRef>
+          <a:fontRef idx="minor">
+            <a:schemeClr val="lt1"/>
+          </a:fontRef>
+        </p:style>
+        <p:txBody>
+          <a:bodyPr rtlCol="0" anchor="ctr"/>
+          <a:lstStyle/>
+          <a:p>
+            <a:pPr algn="ctr"/>
+            <a:endParaRPr kumimoji="1" lang="ja-JP" altLang="en-US"/>
+          </a:p>
+        </p:txBody>
+      </p:sp>
+      <p:sp>
+        <p:nvSpPr>
+          <p:cNvPr id="30" name="右矢印 29"/>
+          <p:cNvSpPr/>
+          <p:nvPr/>
+        </p:nvSpPr>
+        <p:spPr>
+          <a:xfrm>
+            <a:off x="3185211" y="4296634"/>
+            <a:ext cx="636752" cy="767751"/>
+          </a:xfrm>
+          <a:prstGeom prst="rightArrow">
+            <a:avLst/>
+          </a:prstGeom>
+        </p:spPr>
+        <p:style>
+          <a:lnRef idx="2">
+            <a:schemeClr val="accent1">
+              <a:shade val="50000"/>
+            </a:schemeClr>
+          </a:lnRef>
+          <a:fillRef idx="1">
+            <a:schemeClr val="accent1"/>
+          </a:fillRef>
+          <a:effectRef idx="0">
+            <a:schemeClr val="accent1"/>
+          </a:effectRef>
+          <a:fontRef idx="minor">
+            <a:schemeClr val="lt1"/>
+          </a:fontRef>
+        </p:style>
+        <p:txBody>
+          <a:bodyPr rtlCol="0" anchor="ctr"/>
+          <a:lstStyle/>
+          <a:p>
+            <a:pPr algn="ctr"/>
+            <a:endParaRPr kumimoji="1" lang="ja-JP" altLang="en-US"/>
+          </a:p>
+        </p:txBody>
+      </p:sp>
+      <p:sp>
+        <p:nvSpPr>
+          <p:cNvPr id="31" name="テキスト ボックス 30"/>
+          <p:cNvSpPr txBox="1"/>
+          <p:nvPr/>
+        </p:nvSpPr>
+        <p:spPr>
+          <a:xfrm>
+            <a:off x="2745854" y="4003980"/>
+            <a:ext cx="1451690" cy="276999"/>
+          </a:xfrm>
+          <a:prstGeom prst="rect">
+            <a:avLst/>
+          </a:prstGeom>
+          <a:noFill/>
+        </p:spPr>
+        <p:txBody>
+          <a:bodyPr wrap="square" rtlCol="0">
+            <a:spAutoFit/>
+          </a:bodyPr>
+          <a:lstStyle/>
+          <a:p>
+            <a:r>
+              <a:rPr kumimoji="1" lang="en-US" altLang="ja-JP" sz="1200" dirty="0" smtClean="0">
+                <a:latin typeface="メイリオ" panose="020B0604030504040204" pitchFamily="50" charset="-128"/>
+                <a:ea typeface="メイリオ" panose="020B0604030504040204" pitchFamily="50" charset="-128"/>
+                <a:cs typeface="メイリオ" panose="020B0604030504040204" pitchFamily="50" charset="-128"/>
+              </a:rPr>
+              <a:t>CreateTexture2D</a:t>
+            </a:r>
+            <a:endParaRPr kumimoji="1" lang="ja-JP" altLang="en-US" sz="1200" dirty="0">
+              <a:latin typeface="メイリオ" panose="020B0604030504040204" pitchFamily="50" charset="-128"/>
+              <a:ea typeface="メイリオ" panose="020B0604030504040204" pitchFamily="50" charset="-128"/>
+              <a:cs typeface="メイリオ" panose="020B0604030504040204" pitchFamily="50" charset="-128"/>
+            </a:endParaRPr>
+          </a:p>
+        </p:txBody>
+      </p:sp>
+      <p:sp>
+        <p:nvSpPr>
+          <p:cNvPr id="32" name="テキスト ボックス 31"/>
+          <p:cNvSpPr txBox="1"/>
+          <p:nvPr/>
+        </p:nvSpPr>
+        <p:spPr>
+          <a:xfrm>
+            <a:off x="1968297" y="3722359"/>
+            <a:ext cx="711811" cy="369332"/>
+          </a:xfrm>
+          <a:prstGeom prst="rect">
+            <a:avLst/>
+          </a:prstGeom>
+          <a:noFill/>
+        </p:spPr>
+        <p:txBody>
+          <a:bodyPr wrap="square" rtlCol="0">
+            <a:spAutoFit/>
+          </a:bodyPr>
+          <a:lstStyle/>
+          <a:p>
+            <a:r>
+              <a:rPr lang="ja-JP" altLang="en-US" dirty="0">
+                <a:latin typeface="メイリオ" panose="020B0604030504040204" pitchFamily="50" charset="-128"/>
+                <a:ea typeface="メイリオ" panose="020B0604030504040204" pitchFamily="50" charset="-128"/>
+                <a:cs typeface="メイリオ" panose="020B0604030504040204" pitchFamily="50" charset="-128"/>
+              </a:rPr>
+              <a:t>画像</a:t>
+            </a:r>
+            <a:endParaRPr kumimoji="1" lang="ja-JP" altLang="en-US" dirty="0">
+              <a:latin typeface="メイリオ" panose="020B0604030504040204" pitchFamily="50" charset="-128"/>
+              <a:ea typeface="メイリオ" panose="020B0604030504040204" pitchFamily="50" charset="-128"/>
+              <a:cs typeface="メイリオ" panose="020B0604030504040204" pitchFamily="50" charset="-128"/>
+            </a:endParaRPr>
+          </a:p>
+        </p:txBody>
+      </p:sp>
     </p:spTree>
     <p:extLst>
       <p:ext uri="{BB962C8B-B14F-4D97-AF65-F5344CB8AC3E}">
-        <p14:creationId xmlns:p14="http://schemas.microsoft.com/office/powerpoint/2010/main" val="2138566330"/>
+        <p14:creationId xmlns:p14="http://schemas.microsoft.com/office/powerpoint/2010/main" val="2858270548"/>
       </p:ext>
     </p:extLst>
   </p:cSld>
